--- a/org/Presentation/powerpoint.pptx
+++ b/org/Presentation/powerpoint.pptx
@@ -3777,14 +3777,14 @@
             <p:ph idx="1"/>
             <p:extLst>
               <p:ext uri="{D42A27DB-BD31-4B8C-83A1-F6EECF244321}">
-                <p14:modId xmlns:p14="http://schemas.microsoft.com/office/powerpoint/2010/main" val="48565128"/>
+                <p14:modId xmlns:p14="http://schemas.microsoft.com/office/powerpoint/2010/main" val="997424889"/>
               </p:ext>
             </p:extLst>
           </p:nvPr>
         </p:nvGraphicFramePr>
         <p:xfrm>
           <a:off x="838200" y="1583578"/>
-          <a:ext cx="10460280" cy="4114800"/>
+          <a:ext cx="10460280" cy="4389120"/>
         </p:xfrm>
         <a:graphic>
           <a:graphicData uri="http://schemas.openxmlformats.org/drawingml/2006/table">
@@ -3909,7 +3909,11 @@
                       <a:pPr algn="ctr"/>
                       <a:r>
                         <a:rPr lang="en-US" dirty="0" smtClean="0"/>
-                        <a:t>.</a:t>
+                        <a:t>Facial</a:t>
+                      </a:r>
+                      <a:r>
+                        <a:rPr lang="en-US" baseline="0" dirty="0" smtClean="0"/>
+                        <a:t> recognition with gender and age estimation</a:t>
                       </a:r>
                       <a:endParaRPr lang="en-US" dirty="0"/>
                     </a:p>
@@ -3992,7 +3996,7 @@
                     <a:lstStyle/>
                     <a:p>
                       <a:pPr algn="ctr"/>
-                      <a:endParaRPr lang="en-US"/>
+                      <a:endParaRPr lang="en-US" dirty="0"/>
                     </a:p>
                   </a:txBody>
                   <a:tcPr/>
@@ -4459,8 +4463,16 @@
           <a:lstStyle/>
           <a:p>
             <a:r>
-              <a:rPr lang="en-US" dirty="0" smtClean="0"/>
-              <a:t>30 Points per priority parameters</a:t>
+              <a:rPr lang="en-US" dirty="0"/>
+              <a:t>4</a:t>
+            </a:r>
+            <a:r>
+              <a:rPr lang="en-US" dirty="0" smtClean="0"/>
+              <a:t>0 </a:t>
+            </a:r>
+            <a:r>
+              <a:rPr lang="en-US" dirty="0" smtClean="0"/>
+              <a:t>Points per priority parameters</a:t>
             </a:r>
           </a:p>
           <a:p>
@@ -4469,7 +4481,15 @@
           <a:p>
             <a:r>
               <a:rPr lang="en-US" dirty="0" smtClean="0"/>
-              <a:t>Allocate them to 3 problems based on its fulfilment of that parameter according to you</a:t>
+              <a:t>Allocate them to </a:t>
+            </a:r>
+            <a:r>
+              <a:rPr lang="en-US" dirty="0" smtClean="0"/>
+              <a:t>4 </a:t>
+            </a:r>
+            <a:r>
+              <a:rPr lang="en-US" dirty="0" smtClean="0"/>
+              <a:t>problems based on its fulfilment of that parameter according to you</a:t>
             </a:r>
           </a:p>
           <a:p>
@@ -4507,11 +4527,7 @@
           <a:p>
             <a:r>
               <a:rPr lang="en-US" dirty="0" smtClean="0"/>
-              <a:t>Deadline: 19.05.2020, 11:00 </a:t>
-            </a:r>
-            <a:r>
-              <a:rPr lang="en-US" smtClean="0"/>
-              <a:t>o clock.</a:t>
+              <a:t>Deadline: 19.05.2020, 11:00 o clock.</a:t>
             </a:r>
             <a:endParaRPr lang="en-US" dirty="0"/>
           </a:p>
@@ -4612,7 +4628,6 @@
               <a:rPr lang="en-US" dirty="0" smtClean="0"/>
               <a:t>Problems</a:t>
             </a:r>
-            <a:endParaRPr lang="en-US" dirty="0" smtClean="0"/>
           </a:p>
           <a:p>
             <a:r>
@@ -4773,7 +4788,6 @@
               <a:rPr lang="en-US" dirty="0" smtClean="0"/>
               <a:t>Identity recognition</a:t>
             </a:r>
-            <a:endParaRPr lang="en-US" dirty="0" smtClean="0"/>
           </a:p>
           <a:p>
             <a:endParaRPr lang="en-US" dirty="0" smtClean="0"/>
